--- a/МБП/Отчёты/МБП_ПР13_ИКБО-04-22_ЕгоровЛА.pptx
+++ b/МБП/Отчёты/МБП_ПР13_ИКБО-04-22_ЕгоровЛА.pptx
@@ -5,7 +5,7 @@
     <p:sldMasterId id="2147483648" r:id="rId1"/>
   </p:sldMasterIdLst>
   <p:notesMasterIdLst>
-    <p:notesMasterId r:id="rId12"/>
+    <p:notesMasterId r:id="rId13"/>
   </p:notesMasterIdLst>
   <p:sldIdLst>
     <p:sldId id="256" r:id="rId4"/>
@@ -16,6 +16,7 @@
     <p:sldId id="261" r:id="rId9"/>
     <p:sldId id="262" r:id="rId10"/>
     <p:sldId id="263" r:id="rId11"/>
+    <p:sldId id="264" r:id="rId12"/>
   </p:sldIdLst>
   <p:sldSz cx="12192000" cy="6858000"/>
   <p:notesSz cx="6858000" cy="9144000"/>
@@ -866,7 +867,7 @@
       </p:grpSpPr>
       <p:sp>
         <p:nvSpPr>
-          <p:cNvPr id="2" name="Slide Image Placeholder 1"/>
+          <p:cNvPr id="579027365" name="Slide Image Placeholder 1"/>
           <p:cNvSpPr>
             <a:spLocks noChangeAspect="1" noGrp="1" noRot="1"/>
           </p:cNvSpPr>
@@ -878,7 +879,7 @@
       </p:sp>
       <p:sp>
         <p:nvSpPr>
-          <p:cNvPr id="3" name="Notes Placeholder 2"/>
+          <p:cNvPr id="904867165" name="Notes Placeholder 2"/>
           <p:cNvSpPr>
             <a:spLocks noGrp="1"/>
           </p:cNvSpPr>
@@ -900,7 +901,7 @@
       </p:sp>
       <p:sp>
         <p:nvSpPr>
-          <p:cNvPr id="4" name="Slide Number Placeholder 3"/>
+          <p:cNvPr id="659524969" name="Slide Number Placeholder 3"/>
           <p:cNvSpPr>
             <a:spLocks noGrp="1"/>
           </p:cNvSpPr>
@@ -916,7 +917,7 @@
             <a:pPr>
               <a:defRPr/>
             </a:pPr>
-            <a:fld id="{47A425BF-EB6A-FCB1-2A14-BFFDAB8E2770}" type="slidenum">
+            <a:fld id="{6F9AF62D-99C5-226D-6197-92988845B5B2}" type="slidenum">
               <a:rPr/>
               <a:t/>
             </a:fld>
@@ -998,7 +999,7 @@
             <a:pPr>
               <a:defRPr/>
             </a:pPr>
-            <a:fld id="{533BF76C-ED70-9B42-4BD1-F9F3A23B0819}" type="slidenum">
+            <a:fld id="{47A425BF-EB6A-FCB1-2A14-BFFDAB8E2770}" type="slidenum">
               <a:rPr/>
               <a:t/>
             </a:fld>
@@ -1012,6 +1013,88 @@
 </file>
 
 <file path=ppt/notesSlides/notesSlide8.xml><?xml version="1.0" encoding="utf-8"?>
+<p:notes xmlns:a="http://schemas.openxmlformats.org/drawingml/2006/main" xmlns:r="http://schemas.openxmlformats.org/officeDocument/2006/relationships" xmlns:p="http://schemas.openxmlformats.org/presentationml/2006/main" xmlns:m="http://schemas.openxmlformats.org/officeDocument/2006/math" xmlns:w="http://schemas.openxmlformats.org/wordprocessingml/2006/main">
+  <p:cSld name="">
+    <p:spTree>
+      <p:nvGrpSpPr>
+        <p:cNvPr id="1" name=""/>
+        <p:cNvGrpSpPr/>
+        <p:nvPr/>
+      </p:nvGrpSpPr>
+      <p:grpSpPr bwMode="auto">
+        <a:xfrm>
+          <a:off x="0" y="0"/>
+          <a:ext cx="0" cy="0"/>
+          <a:chOff x="0" y="0"/>
+          <a:chExt cx="0" cy="0"/>
+        </a:xfrm>
+      </p:grpSpPr>
+      <p:sp>
+        <p:nvSpPr>
+          <p:cNvPr id="2" name="Slide Image Placeholder 1"/>
+          <p:cNvSpPr>
+            <a:spLocks noChangeAspect="1" noGrp="1" noRot="1"/>
+          </p:cNvSpPr>
+          <p:nvPr>
+            <p:ph type="sldImg"/>
+          </p:nvPr>
+        </p:nvSpPr>
+        <p:spPr bwMode="auto"/>
+      </p:sp>
+      <p:sp>
+        <p:nvSpPr>
+          <p:cNvPr id="3" name="Notes Placeholder 2"/>
+          <p:cNvSpPr>
+            <a:spLocks noGrp="1"/>
+          </p:cNvSpPr>
+          <p:nvPr>
+            <p:ph type="body" idx="1"/>
+          </p:nvPr>
+        </p:nvSpPr>
+        <p:spPr bwMode="auto"/>
+        <p:txBody>
+          <a:bodyPr/>
+          <a:lstStyle/>
+          <a:p>
+            <a:pPr>
+              <a:defRPr/>
+            </a:pPr>
+            <a:endParaRPr/>
+          </a:p>
+        </p:txBody>
+      </p:sp>
+      <p:sp>
+        <p:nvSpPr>
+          <p:cNvPr id="4" name="Slide Number Placeholder 3"/>
+          <p:cNvSpPr>
+            <a:spLocks noGrp="1"/>
+          </p:cNvSpPr>
+          <p:nvPr>
+            <p:ph type="sldNum" sz="quarter" idx="10"/>
+          </p:nvPr>
+        </p:nvSpPr>
+        <p:spPr bwMode="auto"/>
+        <p:txBody>
+          <a:bodyPr/>
+          <a:lstStyle/>
+          <a:p>
+            <a:pPr>
+              <a:defRPr/>
+            </a:pPr>
+            <a:fld id="{533BF76C-ED70-9B42-4BD1-F9F3A23B0819}" type="slidenum">
+              <a:rPr/>
+              <a:t/>
+            </a:fld>
+            <a:endParaRPr/>
+          </a:p>
+        </p:txBody>
+      </p:sp>
+    </p:spTree>
+  </p:cSld>
+</p:notes>
+</file>
+
+<file path=ppt/notesSlides/notesSlide9.xml><?xml version="1.0" encoding="utf-8"?>
 <p:notes xmlns:a="http://schemas.openxmlformats.org/drawingml/2006/main" xmlns:r="http://schemas.openxmlformats.org/officeDocument/2006/relationships" xmlns:p="http://schemas.openxmlformats.org/presentationml/2006/main" xmlns:m="http://schemas.openxmlformats.org/officeDocument/2006/math" xmlns:w="http://schemas.openxmlformats.org/wordprocessingml/2006/main">
   <p:cSld name="">
     <p:spTree>
@@ -5498,7 +5581,7 @@
         </p:nvSpPr>
         <p:spPr bwMode="auto">
           <a:xfrm flipH="0" flipV="0">
-            <a:off x="406596" y="311150"/>
+            <a:off x="406595" y="311150"/>
             <a:ext cx="11321059" cy="1049337"/>
           </a:xfrm>
         </p:spPr>
@@ -5658,7 +5741,7 @@
       </p:grpSpPr>
       <p:sp>
         <p:nvSpPr>
-          <p:cNvPr id="2" name="Заголовок 1"/>
+          <p:cNvPr id="1266654953" name="Заголовок 1"/>
           <p:cNvSpPr>
             <a:spLocks noGrp="1"/>
           </p:cNvSpPr>
@@ -5668,8 +5751,8 @@
         </p:nvSpPr>
         <p:spPr bwMode="auto">
           <a:xfrm flipH="0" flipV="0">
-            <a:off x="358697" y="311150"/>
-            <a:ext cx="11368959" cy="1049337"/>
+            <a:off x="406595" y="311149"/>
+            <a:ext cx="11321058" cy="1049337"/>
           </a:xfrm>
         </p:spPr>
         <p:txBody>
@@ -5688,18 +5771,7 @@
                 <a:ea typeface="Arial"/>
                 <a:cs typeface="Arial"/>
               </a:rPr>
-              <a:t>Вторая часть Диаграммы </a:t>
-            </a:r>
-            <a:r>
-              <a:rPr lang="en-US" sz="3200" b="0" i="0" u="none" strike="noStrike" cap="all" spc="0">
-                <a:solidFill>
-                  <a:schemeClr val="tx1"/>
-                </a:solidFill>
-                <a:latin typeface="Gill Sans MT"/>
-                <a:ea typeface="Arial"/>
-                <a:cs typeface="Arial"/>
-              </a:rPr>
-              <a:t>BPMN </a:t>
+              <a:t>Декомпозиция процесса</a:t>
             </a:r>
             <a:r>
               <a:rPr lang="ru-RU" sz="3200" b="0" i="0" u="none" strike="noStrike" cap="all" spc="0">
@@ -5710,51 +5782,7 @@
                 <a:ea typeface="Arial"/>
                 <a:cs typeface="Arial"/>
               </a:rPr>
-              <a:t>процесса</a:t>
-            </a:r>
-            <a:r>
-              <a:rPr lang="ru-RU" sz="3200" b="0" i="0" u="none" strike="noStrike" cap="all" spc="0">
-                <a:solidFill>
-                  <a:schemeClr val="tx1"/>
-                </a:solidFill>
-                <a:latin typeface="Gill Sans MT"/>
-                <a:ea typeface="Arial"/>
-                <a:cs typeface="Arial"/>
-              </a:rPr>
-              <a:t> «Приготовить пиццу </a:t>
-            </a:r>
-            <a:r>
-              <a:rPr lang="en-US" sz="3200" b="0" i="0" u="none" strike="noStrike" cap="all" spc="0">
-                <a:solidFill>
-                  <a:schemeClr val="tx1"/>
-                </a:solidFill>
-                <a:latin typeface="Gill Sans MT"/>
-                <a:ea typeface="Arial"/>
-                <a:cs typeface="Arial"/>
-              </a:rPr>
-              <a:t>“</a:t>
-            </a:r>
-            <a:r>
-              <a:rPr lang="ru-RU" sz="3200" b="0" i="0" u="none" strike="noStrike" cap="all" spc="0">
-                <a:solidFill>
-                  <a:schemeClr val="tx1"/>
-                </a:solidFill>
-                <a:latin typeface="Gill Sans MT"/>
-                <a:ea typeface="Arial"/>
-                <a:cs typeface="Arial"/>
-              </a:rPr>
-              <a:t>Маргарита</a:t>
-            </a:r>
-            <a:r>
-              <a:rPr lang="en-US" sz="3200" b="0" i="0" u="none" strike="noStrike" cap="all" spc="0">
-                <a:solidFill>
-                  <a:schemeClr val="tx1"/>
-                </a:solidFill>
-                <a:latin typeface="Gill Sans MT"/>
-                <a:ea typeface="Arial"/>
-                <a:cs typeface="Arial"/>
-              </a:rPr>
-              <a:t>”</a:t>
+              <a:t> «Добавить сухие ингредиенты для теста</a:t>
             </a:r>
             <a:r>
               <a:rPr lang="ru-RU" sz="3200" b="0" i="0" u="none" strike="noStrike" cap="all" spc="0">
@@ -5773,7 +5801,7 @@
       </p:sp>
       <p:pic>
         <p:nvPicPr>
-          <p:cNvPr id="1263899923" name=""/>
+          <p:cNvPr id="84051057" name=""/>
           <p:cNvPicPr>
             <a:picLocks noChangeAspect="1"/>
           </p:cNvPicPr>
@@ -5784,9 +5812,9 @@
           <a:stretch/>
         </p:blipFill>
         <p:spPr bwMode="auto">
-          <a:xfrm flipH="0" flipV="0">
-            <a:off x="358697" y="1455208"/>
-            <a:ext cx="11474605" cy="4421989"/>
+          <a:xfrm>
+            <a:off x="2528587" y="1728610"/>
+            <a:ext cx="7077074" cy="4000500"/>
           </a:xfrm>
           <a:prstGeom prst="rect">
             <a:avLst/>
@@ -5833,59 +5861,136 @@
             <a:spLocks noGrp="1"/>
           </p:cNvSpPr>
           <p:nvPr>
-            <p:ph type="title"/>
-          </p:nvPr>
-        </p:nvSpPr>
-        <p:spPr bwMode="auto"/>
-        <p:txBody>
-          <a:bodyPr/>
-          <a:lstStyle/>
-          <a:p>
-            <a:pPr>
-              <a:defRPr/>
-            </a:pPr>
-            <a:r>
-              <a:rPr lang="ru-RU"/>
-              <a:t>Вывод</a:t>
-            </a:r>
-            <a:endParaRPr/>
-          </a:p>
-        </p:txBody>
-      </p:sp>
-      <p:sp>
-        <p:nvSpPr>
-          <p:cNvPr id="3" name="Объект 2"/>
-          <p:cNvSpPr>
-            <a:spLocks noGrp="1"/>
-          </p:cNvSpPr>
-          <p:nvPr>
-            <p:ph idx="1"/>
-          </p:nvPr>
-        </p:nvSpPr>
-        <p:spPr bwMode="auto"/>
-        <p:txBody>
-          <a:bodyPr/>
-          <a:lstStyle/>
-          <a:p>
-            <a:pPr>
-              <a:defRPr/>
-            </a:pPr>
-            <a:r>
-              <a:rPr lang="ru-RU"/>
-              <a:t>В ходе данной практической работы были получены навыки изучения предметной области (приготовление блюда по рецепту) и построения диаграммы бизнес-процесса в нотации </a:t>
-            </a:r>
-            <a:r>
-              <a:rPr lang="en-US"/>
-              <a:t>BPMN</a:t>
-            </a:r>
-            <a:r>
-              <a:rPr lang="ru-RU"/>
-              <a:t>.</a:t>
-            </a:r>
-            <a:endParaRPr/>
-          </a:p>
-        </p:txBody>
-      </p:sp>
+            <p:ph type="title" idx="4294967295"/>
+          </p:nvPr>
+        </p:nvSpPr>
+        <p:spPr bwMode="auto">
+          <a:xfrm flipH="0" flipV="0">
+            <a:off x="358697" y="311150"/>
+            <a:ext cx="11368959" cy="1049337"/>
+          </a:xfrm>
+        </p:spPr>
+        <p:txBody>
+          <a:bodyPr/>
+          <a:lstStyle/>
+          <a:p>
+            <a:pPr algn="ctr">
+              <a:defRPr/>
+            </a:pPr>
+            <a:r>
+              <a:rPr lang="ru-RU" sz="3200" b="0" i="0" u="none" strike="noStrike" cap="all" spc="0">
+                <a:solidFill>
+                  <a:schemeClr val="tx1"/>
+                </a:solidFill>
+                <a:latin typeface="Gill Sans MT"/>
+                <a:ea typeface="Arial"/>
+                <a:cs typeface="Arial"/>
+              </a:rPr>
+              <a:t>Вторая часть Диаграммы </a:t>
+            </a:r>
+            <a:r>
+              <a:rPr lang="en-US" sz="3200" b="0" i="0" u="none" strike="noStrike" cap="all" spc="0">
+                <a:solidFill>
+                  <a:schemeClr val="tx1"/>
+                </a:solidFill>
+                <a:latin typeface="Gill Sans MT"/>
+                <a:ea typeface="Arial"/>
+                <a:cs typeface="Arial"/>
+              </a:rPr>
+              <a:t>BPMN </a:t>
+            </a:r>
+            <a:r>
+              <a:rPr lang="ru-RU" sz="3200" b="0" i="0" u="none" strike="noStrike" cap="all" spc="0">
+                <a:solidFill>
+                  <a:schemeClr val="tx1"/>
+                </a:solidFill>
+                <a:latin typeface="Gill Sans MT"/>
+                <a:ea typeface="Arial"/>
+                <a:cs typeface="Arial"/>
+              </a:rPr>
+              <a:t>процесса</a:t>
+            </a:r>
+            <a:r>
+              <a:rPr lang="ru-RU" sz="3200" b="0" i="0" u="none" strike="noStrike" cap="all" spc="0">
+                <a:solidFill>
+                  <a:schemeClr val="tx1"/>
+                </a:solidFill>
+                <a:latin typeface="Gill Sans MT"/>
+                <a:ea typeface="Arial"/>
+                <a:cs typeface="Arial"/>
+              </a:rPr>
+              <a:t> «Приготовить пиццу </a:t>
+            </a:r>
+            <a:r>
+              <a:rPr lang="en-US" sz="3200" b="0" i="0" u="none" strike="noStrike" cap="all" spc="0">
+                <a:solidFill>
+                  <a:schemeClr val="tx1"/>
+                </a:solidFill>
+                <a:latin typeface="Gill Sans MT"/>
+                <a:ea typeface="Arial"/>
+                <a:cs typeface="Arial"/>
+              </a:rPr>
+              <a:t>“</a:t>
+            </a:r>
+            <a:r>
+              <a:rPr lang="ru-RU" sz="3200" b="0" i="0" u="none" strike="noStrike" cap="all" spc="0">
+                <a:solidFill>
+                  <a:schemeClr val="tx1"/>
+                </a:solidFill>
+                <a:latin typeface="Gill Sans MT"/>
+                <a:ea typeface="Arial"/>
+                <a:cs typeface="Arial"/>
+              </a:rPr>
+              <a:t>Маргарита</a:t>
+            </a:r>
+            <a:r>
+              <a:rPr lang="en-US" sz="3200" b="0" i="0" u="none" strike="noStrike" cap="all" spc="0">
+                <a:solidFill>
+                  <a:schemeClr val="tx1"/>
+                </a:solidFill>
+                <a:latin typeface="Gill Sans MT"/>
+                <a:ea typeface="Arial"/>
+                <a:cs typeface="Arial"/>
+              </a:rPr>
+              <a:t>”</a:t>
+            </a:r>
+            <a:r>
+              <a:rPr lang="ru-RU" sz="3200" b="0" i="0" u="none" strike="noStrike" cap="all" spc="0">
+                <a:solidFill>
+                  <a:schemeClr val="tx1"/>
+                </a:solidFill>
+                <a:latin typeface="Gill Sans MT"/>
+                <a:ea typeface="Arial"/>
+                <a:cs typeface="Arial"/>
+              </a:rPr>
+              <a:t>»</a:t>
+            </a:r>
+            <a:endParaRPr/>
+          </a:p>
+        </p:txBody>
+      </p:sp>
+      <p:pic>
+        <p:nvPicPr>
+          <p:cNvPr id="1263899923" name=""/>
+          <p:cNvPicPr>
+            <a:picLocks noChangeAspect="1"/>
+          </p:cNvPicPr>
+          <p:nvPr/>
+        </p:nvPicPr>
+        <p:blipFill>
+          <a:blip r:embed="rId3"/>
+          <a:stretch/>
+        </p:blipFill>
+        <p:spPr bwMode="auto">
+          <a:xfrm flipH="0" flipV="0">
+            <a:off x="358697" y="1455208"/>
+            <a:ext cx="11474605" cy="4421989"/>
+          </a:xfrm>
+          <a:prstGeom prst="rect">
+            <a:avLst/>
+          </a:prstGeom>
+        </p:spPr>
+      </p:pic>
     </p:spTree>
   </p:cSld>
   <p:clrMapOvr>
@@ -5903,6 +6008,99 @@
 </file>
 
 <file path=ppt/slides/slide8.xml><?xml version="1.0" encoding="utf-8"?>
+<p:sld xmlns:a="http://schemas.openxmlformats.org/drawingml/2006/main" xmlns:r="http://schemas.openxmlformats.org/officeDocument/2006/relationships" xmlns:p="http://schemas.openxmlformats.org/presentationml/2006/main" xmlns:m="http://schemas.openxmlformats.org/officeDocument/2006/math" xmlns:w="http://schemas.openxmlformats.org/wordprocessingml/2006/main" xmlns:mc="http://schemas.openxmlformats.org/markup-compatibility/2006" showMasterPhAnim="0" showMasterSp="1" show="1">
+  <p:cSld name="">
+    <p:spTree>
+      <p:nvGrpSpPr>
+        <p:cNvPr id="1" name=""/>
+        <p:cNvGrpSpPr/>
+        <p:nvPr/>
+      </p:nvGrpSpPr>
+      <p:grpSpPr bwMode="auto">
+        <a:xfrm>
+          <a:off x="0" y="0"/>
+          <a:ext cx="0" cy="0"/>
+          <a:chOff x="0" y="0"/>
+          <a:chExt cx="0" cy="0"/>
+        </a:xfrm>
+      </p:grpSpPr>
+      <p:sp>
+        <p:nvSpPr>
+          <p:cNvPr id="2" name="Заголовок 1"/>
+          <p:cNvSpPr>
+            <a:spLocks noGrp="1"/>
+          </p:cNvSpPr>
+          <p:nvPr>
+            <p:ph type="title"/>
+          </p:nvPr>
+        </p:nvSpPr>
+        <p:spPr bwMode="auto"/>
+        <p:txBody>
+          <a:bodyPr/>
+          <a:lstStyle/>
+          <a:p>
+            <a:pPr>
+              <a:defRPr/>
+            </a:pPr>
+            <a:r>
+              <a:rPr lang="ru-RU"/>
+              <a:t>Вывод</a:t>
+            </a:r>
+            <a:endParaRPr/>
+          </a:p>
+        </p:txBody>
+      </p:sp>
+      <p:sp>
+        <p:nvSpPr>
+          <p:cNvPr id="3" name="Объект 2"/>
+          <p:cNvSpPr>
+            <a:spLocks noGrp="1"/>
+          </p:cNvSpPr>
+          <p:nvPr>
+            <p:ph idx="1"/>
+          </p:nvPr>
+        </p:nvSpPr>
+        <p:spPr bwMode="auto"/>
+        <p:txBody>
+          <a:bodyPr/>
+          <a:lstStyle/>
+          <a:p>
+            <a:pPr>
+              <a:defRPr/>
+            </a:pPr>
+            <a:r>
+              <a:rPr lang="ru-RU"/>
+              <a:t>В ходе данной практической работы были получены навыки изучения предметной области (приготовление блюда по рецепту) и построения диаграммы бизнес-процесса в нотации </a:t>
+            </a:r>
+            <a:r>
+              <a:rPr lang="en-US"/>
+              <a:t>BPMN</a:t>
+            </a:r>
+            <a:r>
+              <a:rPr lang="ru-RU"/>
+              <a:t>.</a:t>
+            </a:r>
+            <a:endParaRPr/>
+          </a:p>
+        </p:txBody>
+      </p:sp>
+    </p:spTree>
+  </p:cSld>
+  <p:clrMapOvr>
+    <a:masterClrMapping/>
+  </p:clrMapOvr>
+  <mc:AlternateContent xmlns:mc="http://schemas.openxmlformats.org/markup-compatibility/2006">
+    <mc:Choice xmlns:p159="http://schemas.microsoft.com/office/powerpoint/2015/09/main" xmlns:p14="http://schemas.microsoft.com/office/powerpoint/2010/main" Requires="p159">
+      <p:transition p14:dur="2000" advClick="1"/>
+    </mc:Choice>
+    <mc:Fallback>
+      <p:transition advClick="1"/>
+    </mc:Fallback>
+  </mc:AlternateContent>
+</p:sld>
+</file>
+
+<file path=ppt/slides/slide9.xml><?xml version="1.0" encoding="utf-8"?>
 <p:sld xmlns:a="http://schemas.openxmlformats.org/drawingml/2006/main" xmlns:r="http://schemas.openxmlformats.org/officeDocument/2006/relationships" xmlns:p="http://schemas.openxmlformats.org/presentationml/2006/main" xmlns:m="http://schemas.openxmlformats.org/officeDocument/2006/math" xmlns:w="http://schemas.openxmlformats.org/wordprocessingml/2006/main" xmlns:mc="http://schemas.openxmlformats.org/markup-compatibility/2006" showMasterPhAnim="0" showMasterSp="1" show="1">
   <p:cSld name="">
     <p:spTree>
